--- a/발표자료.pptx
+++ b/발표자료.pptx
@@ -109,6 +109,11 @@
       </a:defRPr>
     </a:lvl9pPr>
   </p:defaultTextStyle>
+  <p:extLst>
+    <p:ext uri="{EFAFB233-063F-42B5-8137-9DF3F51BA10A}">
+      <p15:sldGuideLst xmlns:p15="http://schemas.microsoft.com/office/powerpoint/2012/main"/>
+    </p:ext>
+  </p:extLst>
 </p:presentation>
 </file>
 
@@ -8700,8 +8705,8 @@
         </p:nvSpPr>
         <p:spPr>
           <a:xfrm>
-            <a:off x="3081747" y="5742136"/>
-            <a:ext cx="2302726" cy="584775"/>
+            <a:off x="2759228" y="5730124"/>
+            <a:ext cx="2549521" cy="584775"/>
           </a:xfrm>
           <a:prstGeom prst="rect">
             <a:avLst/>
@@ -8714,6 +8719,7 @@
           </a:bodyPr>
           <a:lstStyle/>
           <a:p>
+            <a:pPr algn="ctr"/>
             <a:r>
               <a:rPr lang="en-US" altLang="ko-KR" sz="1600" dirty="0">
                 <a:solidFill>
@@ -8722,7 +8728,7 @@
                   </a:schemeClr>
                 </a:solidFill>
               </a:rPr>
-              <a:t>Open door: </a:t>
+              <a:t>Open/Close door: </a:t>
             </a:r>
             <a:r>
               <a:rPr lang="en-US" altLang="ko-KR" sz="1600" dirty="0">
@@ -8734,6 +8740,7 @@
             </a:r>
           </a:p>
           <a:p>
+            <a:pPr algn="ctr"/>
             <a:r>
               <a:rPr lang="en-US" altLang="ko-KR" sz="1600" dirty="0">
                 <a:solidFill>
@@ -8742,7 +8749,7 @@
                   </a:schemeClr>
                 </a:solidFill>
               </a:rPr>
-              <a:t>Close door: </a:t>
+              <a:t>No Permission:</a:t>
             </a:r>
             <a:r>
               <a:rPr lang="en-US" altLang="ko-KR" sz="1600" dirty="0">
@@ -8750,7 +8757,7 @@
                   <a:srgbClr val="FF0000"/>
                 </a:solidFill>
               </a:rPr>
-              <a:t>Red</a:t>
+              <a:t> Red</a:t>
             </a:r>
           </a:p>
         </p:txBody>

--- a/발표자료.pptx
+++ b/발표자료.pptx
@@ -8520,8 +8520,8 @@
         </p:nvSpPr>
         <p:spPr>
           <a:xfrm>
-            <a:off x="6459833" y="2627615"/>
-            <a:ext cx="986832" cy="369332"/>
+            <a:off x="6072187" y="2638717"/>
+            <a:ext cx="1881187" cy="369332"/>
           </a:xfrm>
           <a:prstGeom prst="rect">
             <a:avLst/>
@@ -8542,7 +8542,7 @@
                   </a:schemeClr>
                 </a:solidFill>
               </a:rPr>
-              <a:t>User ID</a:t>
+              <a:t>User ID / Status</a:t>
             </a:r>
             <a:endParaRPr lang="ko-KR" altLang="en-US" dirty="0">
               <a:solidFill>
